--- a/Automatic Coil Winder.pptx
+++ b/Automatic Coil Winder.pptx
@@ -5,7 +5,7 @@
     <p:sldMasterId id="2147483648" r:id="rId1"/>
   </p:sldMasterIdLst>
   <p:notesMasterIdLst>
-    <p:notesMasterId r:id="rId8"/>
+    <p:notesMasterId r:id="rId13"/>
   </p:notesMasterIdLst>
   <p:sldIdLst>
     <p:sldId id="256" r:id="rId2"/>
@@ -14,6 +14,11 @@
     <p:sldId id="258" r:id="rId5"/>
     <p:sldId id="257" r:id="rId6"/>
     <p:sldId id="260" r:id="rId7"/>
+    <p:sldId id="266" r:id="rId8"/>
+    <p:sldId id="262" r:id="rId9"/>
+    <p:sldId id="263" r:id="rId10"/>
+    <p:sldId id="264" r:id="rId11"/>
+    <p:sldId id="265" r:id="rId12"/>
   </p:sldIdLst>
   <p:sldSz cx="12192000" cy="6858000"/>
   <p:notesSz cx="6858000" cy="9144000"/>
@@ -112,6 +117,11 @@
       </a:defRPr>
     </a:lvl9pPr>
   </p:defaultTextStyle>
+  <p:extLst>
+    <p:ext uri="{EFAFB233-063F-42B5-8137-9DF3F51BA10A}">
+      <p15:sldGuideLst xmlns:p15="http://schemas.microsoft.com/office/powerpoint/2012/main"/>
+    </p:ext>
+  </p:extLst>
 </p:presentation>
 </file>
 
@@ -3788,6 +3798,348 @@
 </p:sld>
 </file>
 
+<file path=ppt/slides/slide10.xml><?xml version="1.0" encoding="utf-8"?>
+<p:sld xmlns:a="http://schemas.openxmlformats.org/drawingml/2006/main" xmlns:r="http://schemas.openxmlformats.org/officeDocument/2006/relationships" xmlns:p="http://schemas.openxmlformats.org/presentationml/2006/main">
+  <p:cSld>
+    <p:bg>
+      <p:bgPr>
+        <a:solidFill>
+          <a:schemeClr val="bg1"/>
+        </a:solidFill>
+        <a:effectLst/>
+      </p:bgPr>
+    </p:bg>
+    <p:spTree>
+      <p:nvGrpSpPr>
+        <p:cNvPr id="1" name=""/>
+        <p:cNvGrpSpPr/>
+        <p:nvPr/>
+      </p:nvGrpSpPr>
+      <p:grpSpPr>
+        <a:xfrm>
+          <a:off x="0" y="0"/>
+          <a:ext cx="0" cy="0"/>
+          <a:chOff x="0" y="0"/>
+          <a:chExt cx="0" cy="0"/>
+        </a:xfrm>
+      </p:grpSpPr>
+      <p:pic>
+        <p:nvPicPr>
+          <p:cNvPr id="7" name="Inhaltsplatzhalter 6" descr="Ein Bild, das Text, Diagramm, Screenshot, Reihe enthält.&#10;&#10;Automatisch generierte Beschreibung">
+            <a:extLst>
+              <a:ext uri="{FF2B5EF4-FFF2-40B4-BE49-F238E27FC236}">
+                <a16:creationId xmlns:a16="http://schemas.microsoft.com/office/drawing/2014/main" id="{71BAC4EC-4DAF-F318-7EF8-D5615279D1F0}"/>
+              </a:ext>
+            </a:extLst>
+          </p:cNvPr>
+          <p:cNvPicPr>
+            <a:picLocks noGrp="1" noChangeAspect="1"/>
+          </p:cNvPicPr>
+          <p:nvPr>
+            <p:ph idx="1"/>
+          </p:nvPr>
+        </p:nvPicPr>
+        <p:blipFill>
+          <a:blip r:embed="rId2">
+            <a:extLst>
+              <a:ext uri="{28A0092B-C50C-407E-A947-70E740481C1C}">
+                <a14:useLocalDpi xmlns:a14="http://schemas.microsoft.com/office/drawing/2010/main" val="0"/>
+              </a:ext>
+            </a:extLst>
+          </a:blip>
+          <a:stretch>
+            <a:fillRect/>
+          </a:stretch>
+        </p:blipFill>
+        <p:spPr>
+          <a:xfrm>
+            <a:off x="3132666" y="643466"/>
+            <a:ext cx="5926667" cy="5571067"/>
+          </a:xfrm>
+          <a:prstGeom prst="rect">
+            <a:avLst/>
+          </a:prstGeom>
+        </p:spPr>
+      </p:pic>
+      <p:sp>
+        <p:nvSpPr>
+          <p:cNvPr id="4" name="Fußzeilenplatzhalter 3">
+            <a:extLst>
+              <a:ext uri="{FF2B5EF4-FFF2-40B4-BE49-F238E27FC236}">
+                <a16:creationId xmlns:a16="http://schemas.microsoft.com/office/drawing/2014/main" id="{7ABE3435-A569-44CC-05A9-5A1DA400965B}"/>
+              </a:ext>
+            </a:extLst>
+          </p:cNvPr>
+          <p:cNvSpPr>
+            <a:spLocks noGrp="1"/>
+          </p:cNvSpPr>
+          <p:nvPr>
+            <p:ph type="ftr" sz="quarter" idx="11"/>
+          </p:nvPr>
+        </p:nvSpPr>
+        <p:spPr>
+          <a:xfrm>
+            <a:off x="4038600" y="6356350"/>
+            <a:ext cx="4114800" cy="365125"/>
+          </a:xfrm>
+        </p:spPr>
+        <p:txBody>
+          <a:bodyPr vert="horz" lIns="91440" tIns="45720" rIns="91440" bIns="45720" rtlCol="0" anchor="ctr">
+            <a:normAutofit/>
+          </a:bodyPr>
+          <a:lstStyle/>
+          <a:p>
+            <a:pPr>
+              <a:spcAft>
+                <a:spcPts val="600"/>
+              </a:spcAft>
+            </a:pPr>
+            <a:r>
+              <a:rPr lang="en-US" kern="1200">
+                <a:solidFill>
+                  <a:schemeClr val="tx1">
+                    <a:tint val="75000"/>
+                  </a:schemeClr>
+                </a:solidFill>
+                <a:latin typeface="+mn-lt"/>
+                <a:ea typeface="+mn-ea"/>
+                <a:cs typeface="+mn-cs"/>
+              </a:rPr>
+              <a:t>Automatic Coil Winder</a:t>
+            </a:r>
+          </a:p>
+        </p:txBody>
+      </p:sp>
+      <p:sp>
+        <p:nvSpPr>
+          <p:cNvPr id="5" name="Foliennummernplatzhalter 4">
+            <a:extLst>
+              <a:ext uri="{FF2B5EF4-FFF2-40B4-BE49-F238E27FC236}">
+                <a16:creationId xmlns:a16="http://schemas.microsoft.com/office/drawing/2014/main" id="{41D8E153-6791-FD0C-EED8-78565C9D0DBC}"/>
+              </a:ext>
+            </a:extLst>
+          </p:cNvPr>
+          <p:cNvSpPr>
+            <a:spLocks noGrp="1"/>
+          </p:cNvSpPr>
+          <p:nvPr>
+            <p:ph type="sldNum" sz="quarter" idx="12"/>
+          </p:nvPr>
+        </p:nvSpPr>
+        <p:spPr>
+          <a:xfrm>
+            <a:off x="8610600" y="6356350"/>
+            <a:ext cx="2743200" cy="365125"/>
+          </a:xfrm>
+        </p:spPr>
+        <p:txBody>
+          <a:bodyPr vert="horz" lIns="91440" tIns="45720" rIns="91440" bIns="45720" rtlCol="0" anchor="ctr">
+            <a:normAutofit/>
+          </a:bodyPr>
+          <a:lstStyle/>
+          <a:p>
+            <a:pPr>
+              <a:spcAft>
+                <a:spcPts val="600"/>
+              </a:spcAft>
+            </a:pPr>
+            <a:fld id="{91D83808-CCED-46C0-9767-E634DFE6BDF6}" type="slidenum">
+              <a:rPr lang="en-US" smtClean="0"/>
+              <a:pPr>
+                <a:spcAft>
+                  <a:spcPts val="600"/>
+                </a:spcAft>
+              </a:pPr>
+              <a:t>10</a:t>
+            </a:fld>
+            <a:endParaRPr lang="en-US"/>
+          </a:p>
+        </p:txBody>
+      </p:sp>
+    </p:spTree>
+    <p:extLst>
+      <p:ext uri="{BB962C8B-B14F-4D97-AF65-F5344CB8AC3E}">
+        <p14:creationId xmlns:p14="http://schemas.microsoft.com/office/powerpoint/2010/main" val="1419941802"/>
+      </p:ext>
+    </p:extLst>
+  </p:cSld>
+  <p:clrMapOvr>
+    <a:masterClrMapping/>
+  </p:clrMapOvr>
+</p:sld>
+</file>
+
+<file path=ppt/slides/slide11.xml><?xml version="1.0" encoding="utf-8"?>
+<p:sld xmlns:a="http://schemas.openxmlformats.org/drawingml/2006/main" xmlns:r="http://schemas.openxmlformats.org/officeDocument/2006/relationships" xmlns:p="http://schemas.openxmlformats.org/presentationml/2006/main">
+  <p:cSld>
+    <p:bg>
+      <p:bgPr>
+        <a:solidFill>
+          <a:schemeClr val="bg1"/>
+        </a:solidFill>
+        <a:effectLst/>
+      </p:bgPr>
+    </p:bg>
+    <p:spTree>
+      <p:nvGrpSpPr>
+        <p:cNvPr id="1" name=""/>
+        <p:cNvGrpSpPr/>
+        <p:nvPr/>
+      </p:nvGrpSpPr>
+      <p:grpSpPr>
+        <a:xfrm>
+          <a:off x="0" y="0"/>
+          <a:ext cx="0" cy="0"/>
+          <a:chOff x="0" y="0"/>
+          <a:chExt cx="0" cy="0"/>
+        </a:xfrm>
+      </p:grpSpPr>
+      <p:pic>
+        <p:nvPicPr>
+          <p:cNvPr id="11" name="Inhaltsplatzhalter 10" descr="Ein Bild, das Text, Screenshot, Reihe, Diagramm enthält.&#10;&#10;Automatisch generierte Beschreibung">
+            <a:extLst>
+              <a:ext uri="{FF2B5EF4-FFF2-40B4-BE49-F238E27FC236}">
+                <a16:creationId xmlns:a16="http://schemas.microsoft.com/office/drawing/2014/main" id="{698BB08D-B976-66B5-3BC8-791107E5E58E}"/>
+              </a:ext>
+            </a:extLst>
+          </p:cNvPr>
+          <p:cNvPicPr>
+            <a:picLocks noGrp="1" noChangeAspect="1"/>
+          </p:cNvPicPr>
+          <p:nvPr>
+            <p:ph idx="1"/>
+          </p:nvPr>
+        </p:nvPicPr>
+        <p:blipFill>
+          <a:blip r:embed="rId2">
+            <a:extLst>
+              <a:ext uri="{28A0092B-C50C-407E-A947-70E740481C1C}">
+                <a14:useLocalDpi xmlns:a14="http://schemas.microsoft.com/office/drawing/2010/main" val="0"/>
+              </a:ext>
+            </a:extLst>
+          </a:blip>
+          <a:stretch>
+            <a:fillRect/>
+          </a:stretch>
+        </p:blipFill>
+        <p:spPr>
+          <a:xfrm>
+            <a:off x="2957371" y="643466"/>
+            <a:ext cx="6277258" cy="5571067"/>
+          </a:xfrm>
+          <a:prstGeom prst="rect">
+            <a:avLst/>
+          </a:prstGeom>
+        </p:spPr>
+      </p:pic>
+      <p:sp>
+        <p:nvSpPr>
+          <p:cNvPr id="4" name="Fußzeilenplatzhalter 3">
+            <a:extLst>
+              <a:ext uri="{FF2B5EF4-FFF2-40B4-BE49-F238E27FC236}">
+                <a16:creationId xmlns:a16="http://schemas.microsoft.com/office/drawing/2014/main" id="{92658994-54A2-7A21-0C91-0E3E5BB29CAD}"/>
+              </a:ext>
+            </a:extLst>
+          </p:cNvPr>
+          <p:cNvSpPr>
+            <a:spLocks noGrp="1"/>
+          </p:cNvSpPr>
+          <p:nvPr>
+            <p:ph type="ftr" sz="quarter" idx="11"/>
+          </p:nvPr>
+        </p:nvSpPr>
+        <p:spPr>
+          <a:xfrm>
+            <a:off x="4038600" y="6356350"/>
+            <a:ext cx="4114800" cy="365125"/>
+          </a:xfrm>
+        </p:spPr>
+        <p:txBody>
+          <a:bodyPr vert="horz" lIns="91440" tIns="45720" rIns="91440" bIns="45720" rtlCol="0" anchor="ctr">
+            <a:normAutofit/>
+          </a:bodyPr>
+          <a:lstStyle/>
+          <a:p>
+            <a:pPr>
+              <a:spcAft>
+                <a:spcPts val="600"/>
+              </a:spcAft>
+            </a:pPr>
+            <a:r>
+              <a:rPr lang="en-US" kern="1200">
+                <a:solidFill>
+                  <a:schemeClr val="tx1">
+                    <a:tint val="75000"/>
+                  </a:schemeClr>
+                </a:solidFill>
+                <a:latin typeface="+mn-lt"/>
+                <a:ea typeface="+mn-ea"/>
+                <a:cs typeface="+mn-cs"/>
+              </a:rPr>
+              <a:t>Automatic Coil Winder</a:t>
+            </a:r>
+          </a:p>
+        </p:txBody>
+      </p:sp>
+      <p:sp>
+        <p:nvSpPr>
+          <p:cNvPr id="5" name="Foliennummernplatzhalter 4">
+            <a:extLst>
+              <a:ext uri="{FF2B5EF4-FFF2-40B4-BE49-F238E27FC236}">
+                <a16:creationId xmlns:a16="http://schemas.microsoft.com/office/drawing/2014/main" id="{20C1AC4F-AC65-5DFF-3C6F-55A6166D2637}"/>
+              </a:ext>
+            </a:extLst>
+          </p:cNvPr>
+          <p:cNvSpPr>
+            <a:spLocks noGrp="1"/>
+          </p:cNvSpPr>
+          <p:nvPr>
+            <p:ph type="sldNum" sz="quarter" idx="12"/>
+          </p:nvPr>
+        </p:nvSpPr>
+        <p:spPr>
+          <a:xfrm>
+            <a:off x="8610600" y="6356350"/>
+            <a:ext cx="2743200" cy="365125"/>
+          </a:xfrm>
+        </p:spPr>
+        <p:txBody>
+          <a:bodyPr vert="horz" lIns="91440" tIns="45720" rIns="91440" bIns="45720" rtlCol="0" anchor="ctr">
+            <a:normAutofit/>
+          </a:bodyPr>
+          <a:lstStyle/>
+          <a:p>
+            <a:pPr>
+              <a:spcAft>
+                <a:spcPts val="600"/>
+              </a:spcAft>
+            </a:pPr>
+            <a:fld id="{91D83808-CCED-46C0-9767-E634DFE6BDF6}" type="slidenum">
+              <a:rPr lang="en-US" smtClean="0"/>
+              <a:pPr>
+                <a:spcAft>
+                  <a:spcPts val="600"/>
+                </a:spcAft>
+              </a:pPr>
+              <a:t>11</a:t>
+            </a:fld>
+            <a:endParaRPr lang="en-US"/>
+          </a:p>
+        </p:txBody>
+      </p:sp>
+    </p:spTree>
+    <p:extLst>
+      <p:ext uri="{BB962C8B-B14F-4D97-AF65-F5344CB8AC3E}">
+        <p14:creationId xmlns:p14="http://schemas.microsoft.com/office/powerpoint/2010/main" val="1831403541"/>
+      </p:ext>
+    </p:extLst>
+  </p:cSld>
+  <p:clrMapOvr>
+    <a:masterClrMapping/>
+  </p:clrMapOvr>
+</p:sld>
+</file>
+
 <file path=ppt/slides/slide2.xml><?xml version="1.0" encoding="utf-8"?>
 <p:sld xmlns:a="http://schemas.openxmlformats.org/drawingml/2006/main" xmlns:r="http://schemas.openxmlformats.org/officeDocument/2006/relationships" xmlns:p="http://schemas.openxmlformats.org/presentationml/2006/main">
   <p:cSld>
@@ -4634,6 +4986,506 @@
     <p:extLst>
       <p:ext uri="{BB962C8B-B14F-4D97-AF65-F5344CB8AC3E}">
         <p14:creationId xmlns:p14="http://schemas.microsoft.com/office/powerpoint/2010/main" val="2433357986"/>
+      </p:ext>
+    </p:extLst>
+  </p:cSld>
+  <p:clrMapOvr>
+    <a:masterClrMapping/>
+  </p:clrMapOvr>
+</p:sld>
+</file>
+
+<file path=ppt/slides/slide7.xml><?xml version="1.0" encoding="utf-8"?>
+<p:sld xmlns:a="http://schemas.openxmlformats.org/drawingml/2006/main" xmlns:r="http://schemas.openxmlformats.org/officeDocument/2006/relationships" xmlns:p="http://schemas.openxmlformats.org/presentationml/2006/main">
+  <p:cSld>
+    <p:bg>
+      <p:bgPr>
+        <a:solidFill>
+          <a:schemeClr val="bg1"/>
+        </a:solidFill>
+        <a:effectLst/>
+      </p:bgPr>
+    </p:bg>
+    <p:spTree>
+      <p:nvGrpSpPr>
+        <p:cNvPr id="1" name=""/>
+        <p:cNvGrpSpPr/>
+        <p:nvPr/>
+      </p:nvGrpSpPr>
+      <p:grpSpPr>
+        <a:xfrm>
+          <a:off x="0" y="0"/>
+          <a:ext cx="0" cy="0"/>
+          <a:chOff x="0" y="0"/>
+          <a:chExt cx="0" cy="0"/>
+        </a:xfrm>
+      </p:grpSpPr>
+      <p:sp>
+        <p:nvSpPr>
+          <p:cNvPr id="4" name="Fußzeilenplatzhalter 3">
+            <a:extLst>
+              <a:ext uri="{FF2B5EF4-FFF2-40B4-BE49-F238E27FC236}">
+                <a16:creationId xmlns:a16="http://schemas.microsoft.com/office/drawing/2014/main" id="{B36DF804-378C-E256-5338-2B8E2777411A}"/>
+              </a:ext>
+            </a:extLst>
+          </p:cNvPr>
+          <p:cNvSpPr>
+            <a:spLocks noGrp="1"/>
+          </p:cNvSpPr>
+          <p:nvPr>
+            <p:ph type="ftr" sz="quarter" idx="11"/>
+          </p:nvPr>
+        </p:nvSpPr>
+        <p:spPr>
+          <a:xfrm>
+            <a:off x="4038600" y="6356350"/>
+            <a:ext cx="4114800" cy="365125"/>
+          </a:xfrm>
+        </p:spPr>
+        <p:txBody>
+          <a:bodyPr vert="horz" lIns="91440" tIns="45720" rIns="91440" bIns="45720" rtlCol="0" anchor="ctr">
+            <a:normAutofit/>
+          </a:bodyPr>
+          <a:lstStyle/>
+          <a:p>
+            <a:pPr>
+              <a:spcAft>
+                <a:spcPts val="600"/>
+              </a:spcAft>
+            </a:pPr>
+            <a:r>
+              <a:rPr lang="en-US" kern="1200">
+                <a:solidFill>
+                  <a:schemeClr val="tx1">
+                    <a:tint val="75000"/>
+                  </a:schemeClr>
+                </a:solidFill>
+                <a:latin typeface="+mn-lt"/>
+                <a:ea typeface="+mn-ea"/>
+                <a:cs typeface="+mn-cs"/>
+              </a:rPr>
+              <a:t>Automatic Coil Winder</a:t>
+            </a:r>
+          </a:p>
+        </p:txBody>
+      </p:sp>
+      <p:sp>
+        <p:nvSpPr>
+          <p:cNvPr id="5" name="Foliennummernplatzhalter 4">
+            <a:extLst>
+              <a:ext uri="{FF2B5EF4-FFF2-40B4-BE49-F238E27FC236}">
+                <a16:creationId xmlns:a16="http://schemas.microsoft.com/office/drawing/2014/main" id="{6DFF3CD1-E0B2-D57F-4F90-C221FDC34686}"/>
+              </a:ext>
+            </a:extLst>
+          </p:cNvPr>
+          <p:cNvSpPr>
+            <a:spLocks noGrp="1"/>
+          </p:cNvSpPr>
+          <p:nvPr>
+            <p:ph type="sldNum" sz="quarter" idx="12"/>
+          </p:nvPr>
+        </p:nvSpPr>
+        <p:spPr>
+          <a:xfrm>
+            <a:off x="8610600" y="6356350"/>
+            <a:ext cx="2743200" cy="365125"/>
+          </a:xfrm>
+        </p:spPr>
+        <p:txBody>
+          <a:bodyPr vert="horz" lIns="91440" tIns="45720" rIns="91440" bIns="45720" rtlCol="0" anchor="ctr">
+            <a:normAutofit/>
+          </a:bodyPr>
+          <a:lstStyle/>
+          <a:p>
+            <a:pPr>
+              <a:spcAft>
+                <a:spcPts val="600"/>
+              </a:spcAft>
+            </a:pPr>
+            <a:fld id="{91D83808-CCED-46C0-9767-E634DFE6BDF6}" type="slidenum">
+              <a:rPr lang="en-US" smtClean="0"/>
+              <a:pPr>
+                <a:spcAft>
+                  <a:spcPts val="600"/>
+                </a:spcAft>
+              </a:pPr>
+              <a:t>7</a:t>
+            </a:fld>
+            <a:endParaRPr lang="en-US"/>
+          </a:p>
+        </p:txBody>
+      </p:sp>
+      <p:sp>
+        <p:nvSpPr>
+          <p:cNvPr id="9" name="Inhaltsplatzhalter 8">
+            <a:extLst>
+              <a:ext uri="{FF2B5EF4-FFF2-40B4-BE49-F238E27FC236}">
+                <a16:creationId xmlns:a16="http://schemas.microsoft.com/office/drawing/2014/main" id="{F4B4B2A6-4CEA-2125-D1EB-E70FBC7A746B}"/>
+              </a:ext>
+            </a:extLst>
+          </p:cNvPr>
+          <p:cNvSpPr>
+            <a:spLocks noGrp="1"/>
+          </p:cNvSpPr>
+          <p:nvPr>
+            <p:ph idx="1"/>
+          </p:nvPr>
+        </p:nvSpPr>
+        <p:spPr/>
+        <p:txBody>
+          <a:bodyPr/>
+          <a:lstStyle/>
+          <a:p>
+            <a:endParaRPr lang="de-DE" dirty="0"/>
+          </a:p>
+        </p:txBody>
+      </p:sp>
+    </p:spTree>
+    <p:extLst>
+      <p:ext uri="{BB962C8B-B14F-4D97-AF65-F5344CB8AC3E}">
+        <p14:creationId xmlns:p14="http://schemas.microsoft.com/office/powerpoint/2010/main" val="1361487198"/>
+      </p:ext>
+    </p:extLst>
+  </p:cSld>
+  <p:clrMapOvr>
+    <a:masterClrMapping/>
+  </p:clrMapOvr>
+</p:sld>
+</file>
+
+<file path=ppt/slides/slide8.xml><?xml version="1.0" encoding="utf-8"?>
+<p:sld xmlns:a="http://schemas.openxmlformats.org/drawingml/2006/main" xmlns:r="http://schemas.openxmlformats.org/officeDocument/2006/relationships" xmlns:p="http://schemas.openxmlformats.org/presentationml/2006/main">
+  <p:cSld>
+    <p:bg>
+      <p:bgPr>
+        <a:solidFill>
+          <a:schemeClr val="bg1"/>
+        </a:solidFill>
+        <a:effectLst/>
+      </p:bgPr>
+    </p:bg>
+    <p:spTree>
+      <p:nvGrpSpPr>
+        <p:cNvPr id="1" name=""/>
+        <p:cNvGrpSpPr/>
+        <p:nvPr/>
+      </p:nvGrpSpPr>
+      <p:grpSpPr>
+        <a:xfrm>
+          <a:off x="0" y="0"/>
+          <a:ext cx="0" cy="0"/>
+          <a:chOff x="0" y="0"/>
+          <a:chExt cx="0" cy="0"/>
+        </a:xfrm>
+      </p:grpSpPr>
+      <p:pic>
+        <p:nvPicPr>
+          <p:cNvPr id="7" name="Inhaltsplatzhalter 6" descr="Ein Bild, das Text, Screenshot, Diagramm, Schrift enthält.&#10;&#10;Automatisch generierte Beschreibung">
+            <a:extLst>
+              <a:ext uri="{FF2B5EF4-FFF2-40B4-BE49-F238E27FC236}">
+                <a16:creationId xmlns:a16="http://schemas.microsoft.com/office/drawing/2014/main" id="{CF96D439-75AD-32BD-33C4-CFAEF83281FE}"/>
+              </a:ext>
+            </a:extLst>
+          </p:cNvPr>
+          <p:cNvPicPr>
+            <a:picLocks noGrp="1" noChangeAspect="1"/>
+          </p:cNvPicPr>
+          <p:nvPr>
+            <p:ph idx="1"/>
+          </p:nvPr>
+        </p:nvPicPr>
+        <p:blipFill>
+          <a:blip r:embed="rId2">
+            <a:extLst>
+              <a:ext uri="{28A0092B-C50C-407E-A947-70E740481C1C}">
+                <a14:useLocalDpi xmlns:a14="http://schemas.microsoft.com/office/drawing/2010/main" val="0"/>
+              </a:ext>
+            </a:extLst>
+          </a:blip>
+          <a:stretch>
+            <a:fillRect/>
+          </a:stretch>
+        </p:blipFill>
+        <p:spPr>
+          <a:xfrm>
+            <a:off x="3239042" y="643466"/>
+            <a:ext cx="5713915" cy="5571067"/>
+          </a:xfrm>
+          <a:prstGeom prst="rect">
+            <a:avLst/>
+          </a:prstGeom>
+        </p:spPr>
+      </p:pic>
+      <p:sp>
+        <p:nvSpPr>
+          <p:cNvPr id="4" name="Fußzeilenplatzhalter 3">
+            <a:extLst>
+              <a:ext uri="{FF2B5EF4-FFF2-40B4-BE49-F238E27FC236}">
+                <a16:creationId xmlns:a16="http://schemas.microsoft.com/office/drawing/2014/main" id="{CB9C7EEA-081D-A1E0-5442-415D7DA89DAA}"/>
+              </a:ext>
+            </a:extLst>
+          </p:cNvPr>
+          <p:cNvSpPr>
+            <a:spLocks noGrp="1"/>
+          </p:cNvSpPr>
+          <p:nvPr>
+            <p:ph type="ftr" sz="quarter" idx="11"/>
+          </p:nvPr>
+        </p:nvSpPr>
+        <p:spPr>
+          <a:xfrm>
+            <a:off x="4038600" y="6356350"/>
+            <a:ext cx="4114800" cy="365125"/>
+          </a:xfrm>
+        </p:spPr>
+        <p:txBody>
+          <a:bodyPr vert="horz" lIns="91440" tIns="45720" rIns="91440" bIns="45720" rtlCol="0" anchor="ctr">
+            <a:normAutofit/>
+          </a:bodyPr>
+          <a:lstStyle/>
+          <a:p>
+            <a:pPr>
+              <a:spcAft>
+                <a:spcPts val="600"/>
+              </a:spcAft>
+            </a:pPr>
+            <a:r>
+              <a:rPr lang="en-US" kern="1200">
+                <a:solidFill>
+                  <a:schemeClr val="tx1">
+                    <a:tint val="75000"/>
+                  </a:schemeClr>
+                </a:solidFill>
+                <a:latin typeface="+mn-lt"/>
+                <a:ea typeface="+mn-ea"/>
+                <a:cs typeface="+mn-cs"/>
+              </a:rPr>
+              <a:t>Automatic Coil Winder</a:t>
+            </a:r>
+          </a:p>
+        </p:txBody>
+      </p:sp>
+      <p:sp>
+        <p:nvSpPr>
+          <p:cNvPr id="5" name="Foliennummernplatzhalter 4">
+            <a:extLst>
+              <a:ext uri="{FF2B5EF4-FFF2-40B4-BE49-F238E27FC236}">
+                <a16:creationId xmlns:a16="http://schemas.microsoft.com/office/drawing/2014/main" id="{2FCB3FA3-CABD-E0E2-1B45-4920539095BA}"/>
+              </a:ext>
+            </a:extLst>
+          </p:cNvPr>
+          <p:cNvSpPr>
+            <a:spLocks noGrp="1"/>
+          </p:cNvSpPr>
+          <p:nvPr>
+            <p:ph type="sldNum" sz="quarter" idx="12"/>
+          </p:nvPr>
+        </p:nvSpPr>
+        <p:spPr>
+          <a:xfrm>
+            <a:off x="8610600" y="6356350"/>
+            <a:ext cx="2743200" cy="365125"/>
+          </a:xfrm>
+        </p:spPr>
+        <p:txBody>
+          <a:bodyPr vert="horz" lIns="91440" tIns="45720" rIns="91440" bIns="45720" rtlCol="0" anchor="ctr">
+            <a:normAutofit/>
+          </a:bodyPr>
+          <a:lstStyle/>
+          <a:p>
+            <a:pPr>
+              <a:spcAft>
+                <a:spcPts val="600"/>
+              </a:spcAft>
+            </a:pPr>
+            <a:fld id="{91D83808-CCED-46C0-9767-E634DFE6BDF6}" type="slidenum">
+              <a:rPr lang="en-US" smtClean="0"/>
+              <a:pPr>
+                <a:spcAft>
+                  <a:spcPts val="600"/>
+                </a:spcAft>
+              </a:pPr>
+              <a:t>8</a:t>
+            </a:fld>
+            <a:endParaRPr lang="en-US"/>
+          </a:p>
+        </p:txBody>
+      </p:sp>
+    </p:spTree>
+    <p:extLst>
+      <p:ext uri="{BB962C8B-B14F-4D97-AF65-F5344CB8AC3E}">
+        <p14:creationId xmlns:p14="http://schemas.microsoft.com/office/powerpoint/2010/main" val="139857708"/>
+      </p:ext>
+    </p:extLst>
+  </p:cSld>
+  <p:clrMapOvr>
+    <a:masterClrMapping/>
+  </p:clrMapOvr>
+</p:sld>
+</file>
+
+<file path=ppt/slides/slide9.xml><?xml version="1.0" encoding="utf-8"?>
+<p:sld xmlns:a="http://schemas.openxmlformats.org/drawingml/2006/main" xmlns:r="http://schemas.openxmlformats.org/officeDocument/2006/relationships" xmlns:p="http://schemas.openxmlformats.org/presentationml/2006/main">
+  <p:cSld>
+    <p:bg>
+      <p:bgPr>
+        <a:solidFill>
+          <a:schemeClr val="bg1"/>
+        </a:solidFill>
+        <a:effectLst/>
+      </p:bgPr>
+    </p:bg>
+    <p:spTree>
+      <p:nvGrpSpPr>
+        <p:cNvPr id="1" name=""/>
+        <p:cNvGrpSpPr/>
+        <p:nvPr/>
+      </p:nvGrpSpPr>
+      <p:grpSpPr>
+        <a:xfrm>
+          <a:off x="0" y="0"/>
+          <a:ext cx="0" cy="0"/>
+          <a:chOff x="0" y="0"/>
+          <a:chExt cx="0" cy="0"/>
+        </a:xfrm>
+      </p:grpSpPr>
+      <p:pic>
+        <p:nvPicPr>
+          <p:cNvPr id="7" name="Inhaltsplatzhalter 6" descr="Ein Bild, das Text, Diagramm, Reihe, parallel enthält.&#10;&#10;Automatisch generierte Beschreibung">
+            <a:extLst>
+              <a:ext uri="{FF2B5EF4-FFF2-40B4-BE49-F238E27FC236}">
+                <a16:creationId xmlns:a16="http://schemas.microsoft.com/office/drawing/2014/main" id="{DD375A8F-3AB0-FA28-5F59-81FDFE8CF33F}"/>
+              </a:ext>
+            </a:extLst>
+          </p:cNvPr>
+          <p:cNvPicPr>
+            <a:picLocks noGrp="1" noChangeAspect="1"/>
+          </p:cNvPicPr>
+          <p:nvPr>
+            <p:ph idx="1"/>
+          </p:nvPr>
+        </p:nvPicPr>
+        <p:blipFill>
+          <a:blip r:embed="rId2">
+            <a:extLst>
+              <a:ext uri="{28A0092B-C50C-407E-A947-70E740481C1C}">
+                <a14:useLocalDpi xmlns:a14="http://schemas.microsoft.com/office/drawing/2010/main" val="0"/>
+              </a:ext>
+            </a:extLst>
+          </a:blip>
+          <a:stretch>
+            <a:fillRect/>
+          </a:stretch>
+        </p:blipFill>
+        <p:spPr>
+          <a:xfrm>
+            <a:off x="3268047" y="643466"/>
+            <a:ext cx="5655905" cy="5571067"/>
+          </a:xfrm>
+          <a:prstGeom prst="rect">
+            <a:avLst/>
+          </a:prstGeom>
+        </p:spPr>
+      </p:pic>
+      <p:sp>
+        <p:nvSpPr>
+          <p:cNvPr id="4" name="Fußzeilenplatzhalter 3">
+            <a:extLst>
+              <a:ext uri="{FF2B5EF4-FFF2-40B4-BE49-F238E27FC236}">
+                <a16:creationId xmlns:a16="http://schemas.microsoft.com/office/drawing/2014/main" id="{2D895FCC-2EEE-62C5-7176-92F425F45DB3}"/>
+              </a:ext>
+            </a:extLst>
+          </p:cNvPr>
+          <p:cNvSpPr>
+            <a:spLocks noGrp="1"/>
+          </p:cNvSpPr>
+          <p:nvPr>
+            <p:ph type="ftr" sz="quarter" idx="11"/>
+          </p:nvPr>
+        </p:nvSpPr>
+        <p:spPr>
+          <a:xfrm>
+            <a:off x="4038600" y="6356350"/>
+            <a:ext cx="4114800" cy="365125"/>
+          </a:xfrm>
+        </p:spPr>
+        <p:txBody>
+          <a:bodyPr vert="horz" lIns="91440" tIns="45720" rIns="91440" bIns="45720" rtlCol="0" anchor="ctr">
+            <a:normAutofit/>
+          </a:bodyPr>
+          <a:lstStyle/>
+          <a:p>
+            <a:pPr>
+              <a:spcAft>
+                <a:spcPts val="600"/>
+              </a:spcAft>
+            </a:pPr>
+            <a:r>
+              <a:rPr lang="en-US" kern="1200">
+                <a:solidFill>
+                  <a:schemeClr val="tx1">
+                    <a:tint val="75000"/>
+                  </a:schemeClr>
+                </a:solidFill>
+                <a:latin typeface="+mn-lt"/>
+                <a:ea typeface="+mn-ea"/>
+                <a:cs typeface="+mn-cs"/>
+              </a:rPr>
+              <a:t>Automatic Coil Winder</a:t>
+            </a:r>
+          </a:p>
+        </p:txBody>
+      </p:sp>
+      <p:sp>
+        <p:nvSpPr>
+          <p:cNvPr id="5" name="Foliennummernplatzhalter 4">
+            <a:extLst>
+              <a:ext uri="{FF2B5EF4-FFF2-40B4-BE49-F238E27FC236}">
+                <a16:creationId xmlns:a16="http://schemas.microsoft.com/office/drawing/2014/main" id="{978846F7-6B17-5015-6C56-894A055B82FC}"/>
+              </a:ext>
+            </a:extLst>
+          </p:cNvPr>
+          <p:cNvSpPr>
+            <a:spLocks noGrp="1"/>
+          </p:cNvSpPr>
+          <p:nvPr>
+            <p:ph type="sldNum" sz="quarter" idx="12"/>
+          </p:nvPr>
+        </p:nvSpPr>
+        <p:spPr>
+          <a:xfrm>
+            <a:off x="8610600" y="6356350"/>
+            <a:ext cx="2743200" cy="365125"/>
+          </a:xfrm>
+        </p:spPr>
+        <p:txBody>
+          <a:bodyPr vert="horz" lIns="91440" tIns="45720" rIns="91440" bIns="45720" rtlCol="0" anchor="ctr">
+            <a:normAutofit/>
+          </a:bodyPr>
+          <a:lstStyle/>
+          <a:p>
+            <a:pPr>
+              <a:spcAft>
+                <a:spcPts val="600"/>
+              </a:spcAft>
+            </a:pPr>
+            <a:fld id="{91D83808-CCED-46C0-9767-E634DFE6BDF6}" type="slidenum">
+              <a:rPr lang="en-US" smtClean="0"/>
+              <a:pPr>
+                <a:spcAft>
+                  <a:spcPts val="600"/>
+                </a:spcAft>
+              </a:pPr>
+              <a:t>9</a:t>
+            </a:fld>
+            <a:endParaRPr lang="en-US"/>
+          </a:p>
+        </p:txBody>
+      </p:sp>
+    </p:spTree>
+    <p:extLst>
+      <p:ext uri="{BB962C8B-B14F-4D97-AF65-F5344CB8AC3E}">
+        <p14:creationId xmlns:p14="http://schemas.microsoft.com/office/powerpoint/2010/main" val="872953339"/>
       </p:ext>
     </p:extLst>
   </p:cSld>

--- a/Automatic Coil Winder.pptx
+++ b/Automatic Coil Winder.pptx
@@ -5,7 +5,7 @@
     <p:sldMasterId id="2147483648" r:id="rId1"/>
   </p:sldMasterIdLst>
   <p:notesMasterIdLst>
-    <p:notesMasterId r:id="rId13"/>
+    <p:notesMasterId r:id="rId14"/>
   </p:notesMasterIdLst>
   <p:sldIdLst>
     <p:sldId id="256" r:id="rId2"/>
@@ -14,11 +14,12 @@
     <p:sldId id="258" r:id="rId5"/>
     <p:sldId id="257" r:id="rId6"/>
     <p:sldId id="260" r:id="rId7"/>
-    <p:sldId id="266" r:id="rId8"/>
+    <p:sldId id="265" r:id="rId8"/>
     <p:sldId id="262" r:id="rId9"/>
     <p:sldId id="263" r:id="rId10"/>
     <p:sldId id="264" r:id="rId11"/>
-    <p:sldId id="265" r:id="rId12"/>
+    <p:sldId id="267" r:id="rId12"/>
+    <p:sldId id="268" r:id="rId13"/>
   </p:sldIdLst>
   <p:sldSz cx="12192000" cy="6858000"/>
   <p:notesSz cx="6858000" cy="9144000"/>
@@ -3972,14 +3973,6 @@
 <file path=ppt/slides/slide11.xml><?xml version="1.0" encoding="utf-8"?>
 <p:sld xmlns:a="http://schemas.openxmlformats.org/drawingml/2006/main" xmlns:r="http://schemas.openxmlformats.org/officeDocument/2006/relationships" xmlns:p="http://schemas.openxmlformats.org/presentationml/2006/main">
   <p:cSld>
-    <p:bg>
-      <p:bgPr>
-        <a:solidFill>
-          <a:schemeClr val="bg1"/>
-        </a:solidFill>
-        <a:effectLst/>
-      </p:bgPr>
-    </p:bg>
     <p:spTree>
       <p:nvGrpSpPr>
         <p:cNvPr id="1" name=""/>
@@ -3994,88 +3987,749 @@
           <a:chExt cx="0" cy="0"/>
         </a:xfrm>
       </p:grpSpPr>
-      <p:pic>
-        <p:nvPicPr>
-          <p:cNvPr id="11" name="Inhaltsplatzhalter 10" descr="Ein Bild, das Text, Screenshot, Reihe, Diagramm enthält.&#10;&#10;Automatisch generierte Beschreibung">
-            <a:extLst>
-              <a:ext uri="{FF2B5EF4-FFF2-40B4-BE49-F238E27FC236}">
-                <a16:creationId xmlns:a16="http://schemas.microsoft.com/office/drawing/2014/main" id="{698BB08D-B976-66B5-3BC8-791107E5E58E}"/>
-              </a:ext>
-            </a:extLst>
-          </p:cNvPr>
-          <p:cNvPicPr>
-            <a:picLocks noGrp="1" noChangeAspect="1"/>
-          </p:cNvPicPr>
+      <p:sp>
+        <p:nvSpPr>
+          <p:cNvPr id="2" name="Titel 1">
+            <a:extLst>
+              <a:ext uri="{FF2B5EF4-FFF2-40B4-BE49-F238E27FC236}">
+                <a16:creationId xmlns:a16="http://schemas.microsoft.com/office/drawing/2014/main" id="{86CA29E7-144D-196E-87FA-721248FB628C}"/>
+              </a:ext>
+            </a:extLst>
+          </p:cNvPr>
+          <p:cNvSpPr>
+            <a:spLocks noGrp="1"/>
+          </p:cNvSpPr>
+          <p:nvPr>
+            <p:ph type="title"/>
+          </p:nvPr>
+        </p:nvSpPr>
+        <p:spPr/>
+        <p:txBody>
+          <a:bodyPr/>
+          <a:lstStyle/>
+          <a:p>
+            <a:r>
+              <a:rPr lang="de-DE" dirty="0"/>
+              <a:t>Endstopperkennung</a:t>
+            </a:r>
+          </a:p>
+        </p:txBody>
+      </p:sp>
+      <p:sp>
+        <p:nvSpPr>
+          <p:cNvPr id="3" name="Inhaltsplatzhalter 2">
+            <a:extLst>
+              <a:ext uri="{FF2B5EF4-FFF2-40B4-BE49-F238E27FC236}">
+                <a16:creationId xmlns:a16="http://schemas.microsoft.com/office/drawing/2014/main" id="{75CD83C8-616D-2A17-65B8-7D314C346704}"/>
+              </a:ext>
+            </a:extLst>
+          </p:cNvPr>
+          <p:cNvSpPr>
+            <a:spLocks noGrp="1"/>
+          </p:cNvSpPr>
           <p:nvPr>
             <p:ph idx="1"/>
           </p:nvPr>
-        </p:nvPicPr>
-        <p:blipFill>
-          <a:blip r:embed="rId2">
-            <a:extLst>
-              <a:ext uri="{28A0092B-C50C-407E-A947-70E740481C1C}">
-                <a14:useLocalDpi xmlns:a14="http://schemas.microsoft.com/office/drawing/2010/main" val="0"/>
-              </a:ext>
-            </a:extLst>
-          </a:blip>
-          <a:stretch>
-            <a:fillRect/>
-          </a:stretch>
-        </p:blipFill>
-        <p:spPr>
-          <a:xfrm>
-            <a:off x="2957371" y="643466"/>
-            <a:ext cx="6277258" cy="5571067"/>
-          </a:xfrm>
-          <a:prstGeom prst="rect">
-            <a:avLst/>
-          </a:prstGeom>
-        </p:spPr>
-      </p:pic>
-      <p:sp>
-        <p:nvSpPr>
-          <p:cNvPr id="4" name="Fußzeilenplatzhalter 3">
-            <a:extLst>
-              <a:ext uri="{FF2B5EF4-FFF2-40B4-BE49-F238E27FC236}">
-                <a16:creationId xmlns:a16="http://schemas.microsoft.com/office/drawing/2014/main" id="{92658994-54A2-7A21-0C91-0E3E5BB29CAD}"/>
-              </a:ext>
-            </a:extLst>
-          </p:cNvPr>
-          <p:cNvSpPr>
-            <a:spLocks noGrp="1"/>
-          </p:cNvSpPr>
-          <p:nvPr>
-            <p:ph type="ftr" sz="quarter" idx="11"/>
-          </p:nvPr>
-        </p:nvSpPr>
-        <p:spPr>
-          <a:xfrm>
-            <a:off x="4038600" y="6356350"/>
-            <a:ext cx="4114800" cy="365125"/>
-          </a:xfrm>
-        </p:spPr>
-        <p:txBody>
-          <a:bodyPr vert="horz" lIns="91440" tIns="45720" rIns="91440" bIns="45720" rtlCol="0" anchor="ctr">
+        </p:nvSpPr>
+        <p:spPr/>
+        <p:txBody>
+          <a:bodyPr>
             <a:normAutofit/>
           </a:bodyPr>
           <a:lstStyle/>
           <a:p>
-            <a:pPr>
-              <a:spcAft>
-                <a:spcPts val="600"/>
-              </a:spcAft>
+            <a:pPr marL="0" indent="0">
+              <a:buNone/>
             </a:pPr>
             <a:r>
-              <a:rPr lang="en-US" kern="1200">
-                <a:solidFill>
-                  <a:schemeClr val="tx1">
-                    <a:tint val="75000"/>
-                  </a:schemeClr>
-                </a:solidFill>
-                <a:latin typeface="+mn-lt"/>
-                <a:ea typeface="+mn-ea"/>
-                <a:cs typeface="+mn-cs"/>
+              <a:rPr lang="de-DE" sz="1800" b="0" dirty="0" err="1">
+                <a:solidFill>
+                  <a:srgbClr val="569CD6"/>
+                </a:solidFill>
+                <a:effectLst/>
+                <a:latin typeface="Consolas" panose="020B0609020204030204" pitchFamily="49" charset="0"/>
               </a:rPr>
+              <a:t>int</a:t>
+            </a:r>
+            <a:r>
+              <a:rPr lang="de-DE" sz="1800" b="0" dirty="0">
+                <a:solidFill>
+                  <a:srgbClr val="D4D4D4"/>
+                </a:solidFill>
+                <a:effectLst/>
+                <a:latin typeface="Consolas" panose="020B0609020204030204" pitchFamily="49" charset="0"/>
+              </a:rPr>
+              <a:t> </a:t>
+            </a:r>
+            <a:r>
+              <a:rPr lang="de-DE" sz="1800" b="0" dirty="0" err="1">
+                <a:solidFill>
+                  <a:srgbClr val="D4D4D4"/>
+                </a:solidFill>
+                <a:effectLst/>
+                <a:latin typeface="Consolas" panose="020B0609020204030204" pitchFamily="49" charset="0"/>
+              </a:rPr>
+              <a:t>endstop</a:t>
+            </a:r>
+            <a:r>
+              <a:rPr lang="de-DE" sz="1800" b="0" dirty="0">
+                <a:solidFill>
+                  <a:srgbClr val="D4D4D4"/>
+                </a:solidFill>
+                <a:effectLst/>
+                <a:latin typeface="Consolas" panose="020B0609020204030204" pitchFamily="49" charset="0"/>
+              </a:rPr>
+              <a:t> = </a:t>
+            </a:r>
+            <a:r>
+              <a:rPr lang="de-DE" sz="1800" b="0" dirty="0">
+                <a:solidFill>
+                  <a:srgbClr val="B5CEA8"/>
+                </a:solidFill>
+                <a:effectLst/>
+                <a:latin typeface="Consolas" panose="020B0609020204030204" pitchFamily="49" charset="0"/>
+              </a:rPr>
+              <a:t>0</a:t>
+            </a:r>
+            <a:r>
+              <a:rPr lang="de-DE" sz="1800" b="0" dirty="0">
+                <a:solidFill>
+                  <a:srgbClr val="D4D4D4"/>
+                </a:solidFill>
+                <a:effectLst/>
+                <a:latin typeface="Consolas" panose="020B0609020204030204" pitchFamily="49" charset="0"/>
+              </a:rPr>
+              <a:t>;</a:t>
+            </a:r>
+            <a:r>
+              <a:rPr lang="de-DE" sz="1800" b="0" dirty="0">
+                <a:solidFill>
+                  <a:srgbClr val="6A9955"/>
+                </a:solidFill>
+                <a:effectLst/>
+                <a:latin typeface="Consolas" panose="020B0609020204030204" pitchFamily="49" charset="0"/>
+              </a:rPr>
+              <a:t>  // </a:t>
+            </a:r>
+            <a:r>
+              <a:rPr lang="de-DE" sz="1800" b="0" dirty="0" err="1">
+                <a:solidFill>
+                  <a:srgbClr val="6A9955"/>
+                </a:solidFill>
+                <a:effectLst/>
+                <a:latin typeface="Consolas" panose="020B0609020204030204" pitchFamily="49" charset="0"/>
+              </a:rPr>
+              <a:t>value</a:t>
+            </a:r>
+            <a:r>
+              <a:rPr lang="de-DE" sz="1800" b="0" dirty="0">
+                <a:solidFill>
+                  <a:srgbClr val="6A9955"/>
+                </a:solidFill>
+                <a:effectLst/>
+                <a:latin typeface="Consolas" panose="020B0609020204030204" pitchFamily="49" charset="0"/>
+              </a:rPr>
+              <a:t> </a:t>
+            </a:r>
+            <a:r>
+              <a:rPr lang="de-DE" sz="1800" b="0" dirty="0" err="1">
+                <a:solidFill>
+                  <a:srgbClr val="6A9955"/>
+                </a:solidFill>
+                <a:effectLst/>
+                <a:latin typeface="Consolas" panose="020B0609020204030204" pitchFamily="49" charset="0"/>
+              </a:rPr>
+              <a:t>is</a:t>
+            </a:r>
+            <a:r>
+              <a:rPr lang="de-DE" sz="1800" b="0" dirty="0">
+                <a:solidFill>
+                  <a:srgbClr val="6A9955"/>
+                </a:solidFill>
+                <a:effectLst/>
+                <a:latin typeface="Consolas" panose="020B0609020204030204" pitchFamily="49" charset="0"/>
+              </a:rPr>
+              <a:t> 0 </a:t>
+            </a:r>
+            <a:r>
+              <a:rPr lang="de-DE" sz="1800" b="0" dirty="0" err="1">
+                <a:solidFill>
+                  <a:srgbClr val="6A9955"/>
+                </a:solidFill>
+                <a:effectLst/>
+                <a:latin typeface="Consolas" panose="020B0609020204030204" pitchFamily="49" charset="0"/>
+              </a:rPr>
+              <a:t>if</a:t>
+            </a:r>
+            <a:r>
+              <a:rPr lang="de-DE" sz="1800" b="0" dirty="0">
+                <a:solidFill>
+                  <a:srgbClr val="6A9955"/>
+                </a:solidFill>
+                <a:effectLst/>
+                <a:latin typeface="Consolas" panose="020B0609020204030204" pitchFamily="49" charset="0"/>
+              </a:rPr>
+              <a:t> </a:t>
+            </a:r>
+            <a:r>
+              <a:rPr lang="de-DE" sz="1800" b="0" dirty="0" err="1">
+                <a:solidFill>
+                  <a:srgbClr val="6A9955"/>
+                </a:solidFill>
+                <a:effectLst/>
+                <a:latin typeface="Consolas" panose="020B0609020204030204" pitchFamily="49" charset="0"/>
+              </a:rPr>
+              <a:t>no</a:t>
+            </a:r>
+            <a:r>
+              <a:rPr lang="de-DE" sz="1800" b="0" dirty="0">
+                <a:solidFill>
+                  <a:srgbClr val="6A9955"/>
+                </a:solidFill>
+                <a:effectLst/>
+                <a:latin typeface="Consolas" panose="020B0609020204030204" pitchFamily="49" charset="0"/>
+              </a:rPr>
+              <a:t> </a:t>
+            </a:r>
+            <a:r>
+              <a:rPr lang="de-DE" sz="1800" b="0" dirty="0" err="1">
+                <a:solidFill>
+                  <a:srgbClr val="6A9955"/>
+                </a:solidFill>
+                <a:effectLst/>
+                <a:latin typeface="Consolas" panose="020B0609020204030204" pitchFamily="49" charset="0"/>
+              </a:rPr>
+              <a:t>endstop</a:t>
+            </a:r>
+            <a:r>
+              <a:rPr lang="de-DE" sz="1800" b="0" dirty="0">
+                <a:solidFill>
+                  <a:srgbClr val="6A9955"/>
+                </a:solidFill>
+                <a:effectLst/>
+                <a:latin typeface="Consolas" panose="020B0609020204030204" pitchFamily="49" charset="0"/>
+              </a:rPr>
+              <a:t> </a:t>
+            </a:r>
+            <a:r>
+              <a:rPr lang="de-DE" sz="1800" b="0" dirty="0" err="1">
+                <a:solidFill>
+                  <a:srgbClr val="6A9955"/>
+                </a:solidFill>
+                <a:effectLst/>
+                <a:latin typeface="Consolas" panose="020B0609020204030204" pitchFamily="49" charset="0"/>
+              </a:rPr>
+              <a:t>is</a:t>
+            </a:r>
+            <a:r>
+              <a:rPr lang="de-DE" sz="1800" b="0" dirty="0">
+                <a:solidFill>
+                  <a:srgbClr val="6A9955"/>
+                </a:solidFill>
+                <a:effectLst/>
+                <a:latin typeface="Consolas" panose="020B0609020204030204" pitchFamily="49" charset="0"/>
+              </a:rPr>
+              <a:t> </a:t>
+            </a:r>
+            <a:r>
+              <a:rPr lang="de-DE" sz="1800" b="0" dirty="0" err="1">
+                <a:solidFill>
+                  <a:srgbClr val="6A9955"/>
+                </a:solidFill>
+                <a:effectLst/>
+                <a:latin typeface="Consolas" panose="020B0609020204030204" pitchFamily="49" charset="0"/>
+              </a:rPr>
+              <a:t>reached</a:t>
+            </a:r>
+            <a:r>
+              <a:rPr lang="de-DE" sz="1800" b="0" dirty="0">
+                <a:solidFill>
+                  <a:srgbClr val="6A9955"/>
+                </a:solidFill>
+                <a:effectLst/>
+                <a:latin typeface="Consolas" panose="020B0609020204030204" pitchFamily="49" charset="0"/>
+              </a:rPr>
+              <a:t> </a:t>
+            </a:r>
+            <a:endParaRPr lang="de-DE" sz="1800" b="0" dirty="0">
+              <a:solidFill>
+                <a:srgbClr val="D4D4D4"/>
+              </a:solidFill>
+              <a:effectLst/>
+              <a:latin typeface="Consolas" panose="020B0609020204030204" pitchFamily="49" charset="0"/>
+            </a:endParaRPr>
+          </a:p>
+          <a:p>
+            <a:pPr marL="0" indent="0">
+              <a:buNone/>
+            </a:pPr>
+            <a:r>
+              <a:rPr lang="de-DE" sz="1800" b="0" dirty="0" err="1">
+                <a:solidFill>
+                  <a:srgbClr val="569CD6"/>
+                </a:solidFill>
+                <a:effectLst/>
+                <a:latin typeface="Consolas" panose="020B0609020204030204" pitchFamily="49" charset="0"/>
+              </a:rPr>
+              <a:t>const</a:t>
+            </a:r>
+            <a:r>
+              <a:rPr lang="de-DE" sz="1800" b="0" dirty="0">
+                <a:solidFill>
+                  <a:srgbClr val="D4D4D4"/>
+                </a:solidFill>
+                <a:effectLst/>
+                <a:latin typeface="Consolas" panose="020B0609020204030204" pitchFamily="49" charset="0"/>
+              </a:rPr>
+              <a:t> </a:t>
+            </a:r>
+            <a:r>
+              <a:rPr lang="de-DE" sz="1800" b="0" dirty="0" err="1">
+                <a:solidFill>
+                  <a:srgbClr val="569CD6"/>
+                </a:solidFill>
+                <a:effectLst/>
+                <a:latin typeface="Consolas" panose="020B0609020204030204" pitchFamily="49" charset="0"/>
+              </a:rPr>
+              <a:t>int</a:t>
+            </a:r>
+            <a:r>
+              <a:rPr lang="de-DE" sz="1800" b="0" dirty="0">
+                <a:solidFill>
+                  <a:srgbClr val="D4D4D4"/>
+                </a:solidFill>
+                <a:effectLst/>
+                <a:latin typeface="Consolas" panose="020B0609020204030204" pitchFamily="49" charset="0"/>
+              </a:rPr>
+              <a:t> </a:t>
+            </a:r>
+            <a:r>
+              <a:rPr lang="de-DE" sz="1800" b="0" dirty="0" err="1">
+                <a:solidFill>
+                  <a:srgbClr val="D4D4D4"/>
+                </a:solidFill>
+                <a:effectLst/>
+                <a:latin typeface="Consolas" panose="020B0609020204030204" pitchFamily="49" charset="0"/>
+              </a:rPr>
+              <a:t>mask</a:t>
+            </a:r>
+            <a:r>
+              <a:rPr lang="de-DE" sz="1800" b="0" dirty="0">
+                <a:solidFill>
+                  <a:srgbClr val="D4D4D4"/>
+                </a:solidFill>
+                <a:effectLst/>
+                <a:latin typeface="Consolas" panose="020B0609020204030204" pitchFamily="49" charset="0"/>
+              </a:rPr>
+              <a:t> = </a:t>
+            </a:r>
+            <a:r>
+              <a:rPr lang="de-DE" sz="1800" b="0" dirty="0">
+                <a:solidFill>
+                  <a:srgbClr val="B5CEA8"/>
+                </a:solidFill>
+                <a:effectLst/>
+                <a:latin typeface="Consolas" panose="020B0609020204030204" pitchFamily="49" charset="0"/>
+              </a:rPr>
+              <a:t>0b10100000</a:t>
+            </a:r>
+            <a:r>
+              <a:rPr lang="de-DE" sz="1800" b="0" dirty="0">
+                <a:solidFill>
+                  <a:srgbClr val="D4D4D4"/>
+                </a:solidFill>
+                <a:effectLst/>
+                <a:latin typeface="Consolas" panose="020B0609020204030204" pitchFamily="49" charset="0"/>
+              </a:rPr>
+              <a:t>;</a:t>
+            </a:r>
+          </a:p>
+          <a:p>
+            <a:pPr marL="0" indent="0">
+              <a:buNone/>
+            </a:pPr>
+            <a:r>
+              <a:rPr lang="de-DE" sz="1800" b="0" dirty="0" err="1">
+                <a:solidFill>
+                  <a:srgbClr val="569CD6"/>
+                </a:solidFill>
+                <a:effectLst/>
+                <a:latin typeface="Consolas" panose="020B0609020204030204" pitchFamily="49" charset="0"/>
+              </a:rPr>
+              <a:t>int</a:t>
+            </a:r>
+            <a:r>
+              <a:rPr lang="de-DE" sz="1800" b="0" dirty="0">
+                <a:solidFill>
+                  <a:srgbClr val="D4D4D4"/>
+                </a:solidFill>
+                <a:effectLst/>
+                <a:latin typeface="Consolas" panose="020B0609020204030204" pitchFamily="49" charset="0"/>
+              </a:rPr>
+              <a:t> </a:t>
+            </a:r>
+            <a:r>
+              <a:rPr lang="de-DE" sz="1800" b="0" dirty="0" err="1">
+                <a:solidFill>
+                  <a:srgbClr val="D4D4D4"/>
+                </a:solidFill>
+                <a:effectLst/>
+                <a:latin typeface="Consolas" panose="020B0609020204030204" pitchFamily="49" charset="0"/>
+              </a:rPr>
+              <a:t>previous_endstopt_val</a:t>
+            </a:r>
+            <a:r>
+              <a:rPr lang="de-DE" sz="1800" b="0" dirty="0">
+                <a:solidFill>
+                  <a:srgbClr val="D4D4D4"/>
+                </a:solidFill>
+                <a:effectLst/>
+                <a:latin typeface="Consolas" panose="020B0609020204030204" pitchFamily="49" charset="0"/>
+              </a:rPr>
+              <a:t> = </a:t>
+            </a:r>
+            <a:r>
+              <a:rPr lang="de-DE" sz="1800" b="0" dirty="0">
+                <a:solidFill>
+                  <a:srgbClr val="B5CEA8"/>
+                </a:solidFill>
+                <a:effectLst/>
+                <a:latin typeface="Consolas" panose="020B0609020204030204" pitchFamily="49" charset="0"/>
+              </a:rPr>
+              <a:t>0</a:t>
+            </a:r>
+            <a:r>
+              <a:rPr lang="de-DE" sz="1800" b="0" dirty="0">
+                <a:solidFill>
+                  <a:srgbClr val="D4D4D4"/>
+                </a:solidFill>
+                <a:effectLst/>
+                <a:latin typeface="Consolas" panose="020B0609020204030204" pitchFamily="49" charset="0"/>
+              </a:rPr>
+              <a:t>;</a:t>
+            </a:r>
+          </a:p>
+          <a:p>
+            <a:pPr marL="0" indent="0">
+              <a:buNone/>
+            </a:pPr>
+            <a:endParaRPr lang="de-DE" sz="1800" dirty="0">
+              <a:solidFill>
+                <a:srgbClr val="B5CEA8"/>
+              </a:solidFill>
+              <a:latin typeface="Consolas" panose="020B0609020204030204" pitchFamily="49" charset="0"/>
+            </a:endParaRPr>
+          </a:p>
+          <a:p>
+            <a:pPr marL="0" indent="0">
+              <a:buNone/>
+            </a:pPr>
+            <a:r>
+              <a:rPr lang="de-DE" sz="1800" b="0" dirty="0" err="1">
+                <a:solidFill>
+                  <a:srgbClr val="569CD6"/>
+                </a:solidFill>
+                <a:effectLst/>
+                <a:latin typeface="Consolas" panose="020B0609020204030204" pitchFamily="49" charset="0"/>
+              </a:rPr>
+              <a:t>void</a:t>
+            </a:r>
+            <a:r>
+              <a:rPr lang="de-DE" sz="1800" b="0" dirty="0">
+                <a:solidFill>
+                  <a:srgbClr val="D4D4D4"/>
+                </a:solidFill>
+                <a:effectLst/>
+                <a:latin typeface="Consolas" panose="020B0609020204030204" pitchFamily="49" charset="0"/>
+              </a:rPr>
+              <a:t> </a:t>
+            </a:r>
+            <a:r>
+              <a:rPr lang="de-DE" sz="1800" b="0" dirty="0" err="1">
+                <a:solidFill>
+                  <a:srgbClr val="DCDCAA"/>
+                </a:solidFill>
+                <a:effectLst/>
+                <a:latin typeface="Consolas" panose="020B0609020204030204" pitchFamily="49" charset="0"/>
+              </a:rPr>
+              <a:t>EndstopRead</a:t>
+            </a:r>
+            <a:r>
+              <a:rPr lang="de-DE" sz="1800" b="0" dirty="0">
+                <a:solidFill>
+                  <a:srgbClr val="D4D4D4"/>
+                </a:solidFill>
+                <a:effectLst/>
+                <a:latin typeface="Consolas" panose="020B0609020204030204" pitchFamily="49" charset="0"/>
+              </a:rPr>
+              <a:t>()</a:t>
+            </a:r>
+            <a:r>
+              <a:rPr lang="de-DE" sz="1800" b="0" dirty="0">
+                <a:solidFill>
+                  <a:srgbClr val="6A9955"/>
+                </a:solidFill>
+                <a:effectLst/>
+                <a:latin typeface="Consolas" panose="020B0609020204030204" pitchFamily="49" charset="0"/>
+              </a:rPr>
+              <a:t>  // </a:t>
+            </a:r>
+            <a:r>
+              <a:rPr lang="de-DE" sz="1800" b="0" dirty="0" err="1">
+                <a:solidFill>
+                  <a:srgbClr val="6A9955"/>
+                </a:solidFill>
+                <a:effectLst/>
+                <a:latin typeface="Consolas" panose="020B0609020204030204" pitchFamily="49" charset="0"/>
+              </a:rPr>
+              <a:t>NC_l</a:t>
+            </a:r>
+            <a:r>
+              <a:rPr lang="de-DE" sz="1800" b="0" dirty="0">
+                <a:solidFill>
+                  <a:srgbClr val="6A9955"/>
+                </a:solidFill>
+                <a:effectLst/>
+                <a:latin typeface="Consolas" panose="020B0609020204030204" pitchFamily="49" charset="0"/>
+              </a:rPr>
+              <a:t> pin5, </a:t>
+            </a:r>
+            <a:r>
+              <a:rPr lang="de-DE" sz="1800" b="0" dirty="0" err="1">
+                <a:solidFill>
+                  <a:srgbClr val="6A9955"/>
+                </a:solidFill>
+                <a:effectLst/>
+                <a:latin typeface="Consolas" panose="020B0609020204030204" pitchFamily="49" charset="0"/>
+              </a:rPr>
+              <a:t>NC_r</a:t>
+            </a:r>
+            <a:r>
+              <a:rPr lang="de-DE" sz="1800" b="0" dirty="0">
+                <a:solidFill>
+                  <a:srgbClr val="6A9955"/>
+                </a:solidFill>
+                <a:effectLst/>
+                <a:latin typeface="Consolas" panose="020B0609020204030204" pitchFamily="49" charset="0"/>
+              </a:rPr>
+              <a:t> pin7 </a:t>
+            </a:r>
+          </a:p>
+          <a:p>
+            <a:pPr marL="0" indent="0">
+              <a:buNone/>
+            </a:pPr>
+            <a:r>
+              <a:rPr lang="de-DE" sz="1800" b="0" dirty="0">
+                <a:solidFill>
+                  <a:srgbClr val="D4D4D4"/>
+                </a:solidFill>
+                <a:effectLst/>
+                <a:latin typeface="Consolas" panose="020B0609020204030204" pitchFamily="49" charset="0"/>
+              </a:rPr>
+              <a:t>{</a:t>
+            </a:r>
+          </a:p>
+          <a:p>
+            <a:pPr marL="0" indent="0">
+              <a:buNone/>
+            </a:pPr>
+            <a:r>
+              <a:rPr lang="de-DE" sz="1800" b="0" dirty="0">
+                <a:solidFill>
+                  <a:srgbClr val="D4D4D4"/>
+                </a:solidFill>
+                <a:effectLst/>
+                <a:latin typeface="Consolas" panose="020B0609020204030204" pitchFamily="49" charset="0"/>
+              </a:rPr>
+              <a:t>  </a:t>
+            </a:r>
+            <a:r>
+              <a:rPr lang="de-DE" sz="1800" b="0" dirty="0" err="1">
+                <a:solidFill>
+                  <a:srgbClr val="D4D4D4"/>
+                </a:solidFill>
+                <a:effectLst/>
+                <a:latin typeface="Consolas" panose="020B0609020204030204" pitchFamily="49" charset="0"/>
+              </a:rPr>
+              <a:t>byte</a:t>
+            </a:r>
+            <a:r>
+              <a:rPr lang="de-DE" sz="1800" b="0" dirty="0">
+                <a:solidFill>
+                  <a:srgbClr val="D4D4D4"/>
+                </a:solidFill>
+                <a:effectLst/>
+                <a:latin typeface="Consolas" panose="020B0609020204030204" pitchFamily="49" charset="0"/>
+              </a:rPr>
+              <a:t> b = (~PIND) &amp; </a:t>
+            </a:r>
+            <a:r>
+              <a:rPr lang="de-DE" sz="1800" b="0" dirty="0" err="1">
+                <a:solidFill>
+                  <a:srgbClr val="D4D4D4"/>
+                </a:solidFill>
+                <a:effectLst/>
+                <a:latin typeface="Consolas" panose="020B0609020204030204" pitchFamily="49" charset="0"/>
+              </a:rPr>
+              <a:t>mask</a:t>
+            </a:r>
+            <a:r>
+              <a:rPr lang="de-DE" sz="1800" b="0" dirty="0">
+                <a:solidFill>
+                  <a:srgbClr val="D4D4D4"/>
+                </a:solidFill>
+                <a:effectLst/>
+                <a:latin typeface="Consolas" panose="020B0609020204030204" pitchFamily="49" charset="0"/>
+              </a:rPr>
+              <a:t>;</a:t>
+            </a:r>
+          </a:p>
+          <a:p>
+            <a:pPr marL="0" indent="0">
+              <a:buNone/>
+            </a:pPr>
+            <a:r>
+              <a:rPr lang="de-DE" sz="1800" b="0" dirty="0">
+                <a:solidFill>
+                  <a:srgbClr val="D4D4D4"/>
+                </a:solidFill>
+                <a:effectLst/>
+                <a:latin typeface="Consolas" panose="020B0609020204030204" pitchFamily="49" charset="0"/>
+              </a:rPr>
+              <a:t>  </a:t>
+            </a:r>
+            <a:r>
+              <a:rPr lang="de-DE" sz="1800" b="0" dirty="0" err="1">
+                <a:solidFill>
+                  <a:srgbClr val="D4D4D4"/>
+                </a:solidFill>
+                <a:effectLst/>
+                <a:latin typeface="Consolas" panose="020B0609020204030204" pitchFamily="49" charset="0"/>
+              </a:rPr>
+              <a:t>endstop</a:t>
+            </a:r>
+            <a:r>
+              <a:rPr lang="de-DE" sz="1800" b="0" dirty="0">
+                <a:solidFill>
+                  <a:srgbClr val="D4D4D4"/>
+                </a:solidFill>
+                <a:effectLst/>
+                <a:latin typeface="Consolas" panose="020B0609020204030204" pitchFamily="49" charset="0"/>
+              </a:rPr>
+              <a:t> = </a:t>
+            </a:r>
+            <a:r>
+              <a:rPr lang="de-DE" sz="1800" b="0" dirty="0" err="1">
+                <a:solidFill>
+                  <a:srgbClr val="D4D4D4"/>
+                </a:solidFill>
+                <a:effectLst/>
+                <a:latin typeface="Consolas" panose="020B0609020204030204" pitchFamily="49" charset="0"/>
+              </a:rPr>
+              <a:t>previous_endstopt_val</a:t>
+            </a:r>
+            <a:r>
+              <a:rPr lang="de-DE" sz="1800" b="0" dirty="0">
+                <a:solidFill>
+                  <a:srgbClr val="D4D4D4"/>
+                </a:solidFill>
+                <a:effectLst/>
+                <a:latin typeface="Consolas" panose="020B0609020204030204" pitchFamily="49" charset="0"/>
+              </a:rPr>
+              <a:t> &amp; ~b;</a:t>
+            </a:r>
+          </a:p>
+          <a:p>
+            <a:pPr marL="0" indent="0">
+              <a:buNone/>
+            </a:pPr>
+            <a:r>
+              <a:rPr lang="de-DE" sz="1800" b="0" dirty="0">
+                <a:solidFill>
+                  <a:srgbClr val="D4D4D4"/>
+                </a:solidFill>
+                <a:effectLst/>
+                <a:latin typeface="Consolas" panose="020B0609020204030204" pitchFamily="49" charset="0"/>
+              </a:rPr>
+              <a:t>  </a:t>
+            </a:r>
+            <a:r>
+              <a:rPr lang="de-DE" sz="1800" b="0" dirty="0" err="1">
+                <a:solidFill>
+                  <a:srgbClr val="D4D4D4"/>
+                </a:solidFill>
+                <a:effectLst/>
+                <a:latin typeface="Consolas" panose="020B0609020204030204" pitchFamily="49" charset="0"/>
+              </a:rPr>
+              <a:t>previous_endstopt_val</a:t>
+            </a:r>
+            <a:r>
+              <a:rPr lang="de-DE" sz="1800" b="0" dirty="0">
+                <a:solidFill>
+                  <a:srgbClr val="D4D4D4"/>
+                </a:solidFill>
+                <a:effectLst/>
+                <a:latin typeface="Consolas" panose="020B0609020204030204" pitchFamily="49" charset="0"/>
+              </a:rPr>
+              <a:t> = b; </a:t>
+            </a:r>
+          </a:p>
+          <a:p>
+            <a:pPr marL="0" indent="0">
+              <a:buNone/>
+            </a:pPr>
+            <a:r>
+              <a:rPr lang="de-DE" sz="1800" b="0" dirty="0">
+                <a:solidFill>
+                  <a:srgbClr val="D4D4D4"/>
+                </a:solidFill>
+                <a:effectLst/>
+                <a:latin typeface="Consolas" panose="020B0609020204030204" pitchFamily="49" charset="0"/>
+              </a:rPr>
+              <a:t>}</a:t>
+            </a:r>
+          </a:p>
+          <a:p>
+            <a:pPr marL="0" indent="0">
+              <a:buNone/>
+            </a:pPr>
+            <a:endParaRPr lang="de-DE" sz="1800" b="0" dirty="0">
+              <a:solidFill>
+                <a:srgbClr val="D4D4D4"/>
+              </a:solidFill>
+              <a:effectLst/>
+              <a:latin typeface="Consolas" panose="020B0609020204030204" pitchFamily="49" charset="0"/>
+            </a:endParaRPr>
+          </a:p>
+          <a:p>
+            <a:endParaRPr lang="de-DE" dirty="0"/>
+          </a:p>
+        </p:txBody>
+      </p:sp>
+      <p:sp>
+        <p:nvSpPr>
+          <p:cNvPr id="4" name="Fußzeilenplatzhalter 3">
+            <a:extLst>
+              <a:ext uri="{FF2B5EF4-FFF2-40B4-BE49-F238E27FC236}">
+                <a16:creationId xmlns:a16="http://schemas.microsoft.com/office/drawing/2014/main" id="{683818CF-9279-9173-0004-A2364C289303}"/>
+              </a:ext>
+            </a:extLst>
+          </p:cNvPr>
+          <p:cNvSpPr>
+            <a:spLocks noGrp="1"/>
+          </p:cNvSpPr>
+          <p:nvPr>
+            <p:ph type="ftr" sz="quarter" idx="11"/>
+          </p:nvPr>
+        </p:nvSpPr>
+        <p:spPr/>
+        <p:txBody>
+          <a:bodyPr/>
+          <a:lstStyle/>
+          <a:p>
+            <a:r>
+              <a:rPr lang="de-DE"/>
               <a:t>Automatic Coil Winder</a:t>
             </a:r>
           </a:p>
@@ -4086,7 +4740,7 @@
           <p:cNvPr id="5" name="Foliennummernplatzhalter 4">
             <a:extLst>
               <a:ext uri="{FF2B5EF4-FFF2-40B4-BE49-F238E27FC236}">
-                <a16:creationId xmlns:a16="http://schemas.microsoft.com/office/drawing/2014/main" id="{20C1AC4F-AC65-5DFF-3C6F-55A6166D2637}"/>
+                <a16:creationId xmlns:a16="http://schemas.microsoft.com/office/drawing/2014/main" id="{08BAC72A-53A9-6938-3CC6-FE3558244996}"/>
               </a:ext>
             </a:extLst>
           </p:cNvPr>
@@ -4097,40 +4751,395 @@
             <p:ph type="sldNum" sz="quarter" idx="12"/>
           </p:nvPr>
         </p:nvSpPr>
-        <p:spPr>
-          <a:xfrm>
-            <a:off x="8610600" y="6356350"/>
-            <a:ext cx="2743200" cy="365125"/>
-          </a:xfrm>
-        </p:spPr>
-        <p:txBody>
-          <a:bodyPr vert="horz" lIns="91440" tIns="45720" rIns="91440" bIns="45720" rtlCol="0" anchor="ctr">
-            <a:normAutofit/>
-          </a:bodyPr>
-          <a:lstStyle/>
-          <a:p>
-            <a:pPr>
-              <a:spcAft>
-                <a:spcPts val="600"/>
-              </a:spcAft>
-            </a:pPr>
+        <p:spPr/>
+        <p:txBody>
+          <a:bodyPr/>
+          <a:lstStyle/>
+          <a:p>
             <a:fld id="{91D83808-CCED-46C0-9767-E634DFE6BDF6}" type="slidenum">
-              <a:rPr lang="en-US" smtClean="0"/>
-              <a:pPr>
-                <a:spcAft>
-                  <a:spcPts val="600"/>
-                </a:spcAft>
-              </a:pPr>
+              <a:rPr lang="de-DE" smtClean="0"/>
               <a:t>11</a:t>
             </a:fld>
-            <a:endParaRPr lang="en-US"/>
-          </a:p>
-        </p:txBody>
-      </p:sp>
+            <a:endParaRPr lang="de-DE"/>
+          </a:p>
+        </p:txBody>
+      </p:sp>
+      <mc:AlternateContent xmlns:mc="http://schemas.openxmlformats.org/markup-compatibility/2006">
+        <mc:Choice xmlns:a14="http://schemas.microsoft.com/office/drawing/2010/main" Requires="a14">
+          <p:sp>
+            <p:nvSpPr>
+              <p:cNvPr id="9" name="Textfeld 8">
+                <a:extLst>
+                  <a:ext uri="{FF2B5EF4-FFF2-40B4-BE49-F238E27FC236}">
+                    <a16:creationId xmlns:a16="http://schemas.microsoft.com/office/drawing/2014/main" id="{E832DEC5-4338-CBB0-2BEF-E0CA48451AE4}"/>
+                  </a:ext>
+                </a:extLst>
+              </p:cNvPr>
+              <p:cNvSpPr txBox="1"/>
+              <p:nvPr/>
+            </p:nvSpPr>
+            <p:spPr>
+              <a:xfrm>
+                <a:off x="9118121" y="1825625"/>
+                <a:ext cx="2095322" cy="2049022"/>
+              </a:xfrm>
+              <a:prstGeom prst="rect">
+                <a:avLst/>
+              </a:prstGeom>
+              <a:noFill/>
+            </p:spPr>
+            <p:txBody>
+              <a:bodyPr wrap="square" rtlCol="0">
+                <a:spAutoFit/>
+              </a:bodyPr>
+              <a:lstStyle/>
+              <a:p>
+                <a:r>
+                  <a:rPr lang="de-DE" dirty="0"/>
+                  <a:t>Eigentlich gilt </a:t>
+                </a:r>
+                <a14:m>
+                  <m:oMath xmlns:m="http://schemas.openxmlformats.org/officeDocument/2006/math">
+                    <m:acc>
+                      <m:accPr>
+                        <m:chr m:val="̅"/>
+                        <m:ctrlPr>
+                          <a:rPr lang="de-DE" b="0" i="1" smtClean="0">
+                            <a:latin typeface="Cambria Math" panose="02040503050406030204" pitchFamily="18" charset="0"/>
+                          </a:rPr>
+                        </m:ctrlPr>
+                      </m:accPr>
+                      <m:e>
+                        <m:r>
+                          <a:rPr lang="de-DE" b="0" i="1" smtClean="0">
+                            <a:latin typeface="Cambria Math" panose="02040503050406030204" pitchFamily="18" charset="0"/>
+                          </a:rPr>
+                          <m:t>𝑎</m:t>
+                        </m:r>
+                      </m:e>
+                    </m:acc>
+                    <m:r>
+                      <a:rPr lang="de-DE" b="0" i="1" smtClean="0">
+                        <a:latin typeface="Cambria Math" panose="02040503050406030204" pitchFamily="18" charset="0"/>
+                      </a:rPr>
+                      <m:t>∧</m:t>
+                    </m:r>
+                    <m:r>
+                      <a:rPr lang="de-DE" b="0" i="1" smtClean="0">
+                        <a:latin typeface="Cambria Math" panose="02040503050406030204" pitchFamily="18" charset="0"/>
+                      </a:rPr>
+                      <m:t>𝑏</m:t>
+                    </m:r>
+                  </m:oMath>
+                </a14:m>
+                <a:r>
+                  <a:rPr lang="de-DE" dirty="0"/>
+                  <a:t>, da für die Endstopps in NO-Schaltung </a:t>
+                </a:r>
+                <a:r>
+                  <a:rPr lang="de-DE" dirty="0" err="1"/>
+                  <a:t>Pullups</a:t>
+                </a:r>
+                <a:r>
+                  <a:rPr lang="de-DE" dirty="0"/>
+                  <a:t> verwendet</a:t>
+                </a:r>
+              </a:p>
+              <a:p>
+                <a:r>
+                  <a:rPr lang="de-DE" dirty="0"/>
+                  <a:t>=&gt; </a:t>
+                </a:r>
+                <a14:m>
+                  <m:oMath xmlns:m="http://schemas.openxmlformats.org/officeDocument/2006/math">
+                    <m:acc>
+                      <m:accPr>
+                        <m:chr m:val="̅"/>
+                        <m:ctrlPr>
+                          <a:rPr lang="de-DE" b="0" i="1" smtClean="0">
+                            <a:latin typeface="Cambria Math" panose="02040503050406030204" pitchFamily="18" charset="0"/>
+                          </a:rPr>
+                        </m:ctrlPr>
+                      </m:accPr>
+                      <m:e>
+                        <m:d>
+                          <m:dPr>
+                            <m:ctrlPr>
+                              <a:rPr lang="de-DE" b="0" i="1" smtClean="0">
+                                <a:latin typeface="Cambria Math" panose="02040503050406030204" pitchFamily="18" charset="0"/>
+                              </a:rPr>
+                            </m:ctrlPr>
+                          </m:dPr>
+                          <m:e>
+                            <m:acc>
+                              <m:accPr>
+                                <m:chr m:val="̅"/>
+                                <m:ctrlPr>
+                                  <a:rPr lang="de-DE" b="0" i="1" smtClean="0">
+                                    <a:latin typeface="Cambria Math" panose="02040503050406030204" pitchFamily="18" charset="0"/>
+                                  </a:rPr>
+                                </m:ctrlPr>
+                              </m:accPr>
+                              <m:e>
+                                <m:r>
+                                  <a:rPr lang="de-DE" b="0" i="1" smtClean="0">
+                                    <a:latin typeface="Cambria Math" panose="02040503050406030204" pitchFamily="18" charset="0"/>
+                                  </a:rPr>
+                                  <m:t>𝑎</m:t>
+                                </m:r>
+                              </m:e>
+                            </m:acc>
+                          </m:e>
+                        </m:d>
+                        <m:r>
+                          <a:rPr lang="de-DE" b="0" i="1" smtClean="0">
+                            <a:latin typeface="Cambria Math" panose="02040503050406030204" pitchFamily="18" charset="0"/>
+                          </a:rPr>
+                          <m:t>∧</m:t>
+                        </m:r>
+                        <m:r>
+                          <a:rPr lang="de-DE" b="0" i="1" smtClean="0">
+                            <a:latin typeface="Cambria Math" panose="02040503050406030204" pitchFamily="18" charset="0"/>
+                          </a:rPr>
+                          <m:t>𝑏</m:t>
+                        </m:r>
+                      </m:e>
+                    </m:acc>
+                    <m:r>
+                      <a:rPr lang="de-DE" b="0" i="1" smtClean="0">
+                        <a:latin typeface="Cambria Math" panose="02040503050406030204" pitchFamily="18" charset="0"/>
+                      </a:rPr>
+                      <m:t>=</m:t>
+                    </m:r>
+                    <m:r>
+                      <a:rPr lang="de-DE" b="0" i="1" smtClean="0">
+                        <a:latin typeface="Cambria Math" panose="02040503050406030204" pitchFamily="18" charset="0"/>
+                      </a:rPr>
+                      <m:t>𝑎</m:t>
+                    </m:r>
+                    <m:r>
+                      <a:rPr lang="de-DE" b="0" i="1" smtClean="0">
+                        <a:latin typeface="Cambria Math" panose="02040503050406030204" pitchFamily="18" charset="0"/>
+                      </a:rPr>
+                      <m:t>∨</m:t>
+                    </m:r>
+                    <m:acc>
+                      <m:accPr>
+                        <m:chr m:val="̅"/>
+                        <m:ctrlPr>
+                          <a:rPr lang="de-DE" b="0" i="1" smtClean="0">
+                            <a:latin typeface="Cambria Math" panose="02040503050406030204" pitchFamily="18" charset="0"/>
+                          </a:rPr>
+                        </m:ctrlPr>
+                      </m:accPr>
+                      <m:e>
+                        <m:r>
+                          <a:rPr lang="de-DE" b="0" i="1" smtClean="0">
+                            <a:latin typeface="Cambria Math" panose="02040503050406030204" pitchFamily="18" charset="0"/>
+                          </a:rPr>
+                          <m:t>𝑏</m:t>
+                        </m:r>
+                      </m:e>
+                    </m:acc>
+                  </m:oMath>
+                </a14:m>
+                <a:endParaRPr lang="de-DE" dirty="0"/>
+              </a:p>
+              <a:p>
+                <a:r>
+                  <a:rPr lang="de-DE" dirty="0"/>
+                  <a:t> </a:t>
+                </a:r>
+              </a:p>
+            </p:txBody>
+          </p:sp>
+        </mc:Choice>
+        <mc:Fallback>
+          <p:sp>
+            <p:nvSpPr>
+              <p:cNvPr id="9" name="Textfeld 8">
+                <a:extLst>
+                  <a:ext uri="{FF2B5EF4-FFF2-40B4-BE49-F238E27FC236}">
+                    <a16:creationId xmlns:a16="http://schemas.microsoft.com/office/drawing/2014/main" id="{E832DEC5-4338-CBB0-2BEF-E0CA48451AE4}"/>
+                  </a:ext>
+                </a:extLst>
+              </p:cNvPr>
+              <p:cNvSpPr txBox="1">
+                <a:spLocks noRot="1" noChangeAspect="1" noMove="1" noResize="1" noEditPoints="1" noAdjustHandles="1" noChangeArrowheads="1" noChangeShapeType="1" noTextEdit="1"/>
+              </p:cNvSpPr>
+              <p:nvPr/>
+            </p:nvSpPr>
+            <p:spPr>
+              <a:xfrm>
+                <a:off x="9118121" y="1825625"/>
+                <a:ext cx="2095322" cy="2049022"/>
+              </a:xfrm>
+              <a:prstGeom prst="rect">
+                <a:avLst/>
+              </a:prstGeom>
+              <a:blipFill>
+                <a:blip r:embed="rId2"/>
+                <a:stretch>
+                  <a:fillRect l="-2624" t="-1484" r="-4665" b="-3561"/>
+                </a:stretch>
+              </a:blipFill>
+            </p:spPr>
+            <p:txBody>
+              <a:bodyPr/>
+              <a:lstStyle/>
+              <a:p>
+                <a:r>
+                  <a:rPr lang="de-DE">
+                    <a:noFill/>
+                  </a:rPr>
+                  <a:t> </a:t>
+                </a:r>
+              </a:p>
+            </p:txBody>
+          </p:sp>
+        </mc:Fallback>
+      </mc:AlternateContent>
     </p:spTree>
     <p:extLst>
       <p:ext uri="{BB962C8B-B14F-4D97-AF65-F5344CB8AC3E}">
-        <p14:creationId xmlns:p14="http://schemas.microsoft.com/office/powerpoint/2010/main" val="1831403541"/>
+        <p14:creationId xmlns:p14="http://schemas.microsoft.com/office/powerpoint/2010/main" val="1918108031"/>
+      </p:ext>
+    </p:extLst>
+  </p:cSld>
+  <p:clrMapOvr>
+    <a:masterClrMapping/>
+  </p:clrMapOvr>
+</p:sld>
+</file>
+
+<file path=ppt/slides/slide12.xml><?xml version="1.0" encoding="utf-8"?>
+<p:sld xmlns:a="http://schemas.openxmlformats.org/drawingml/2006/main" xmlns:r="http://schemas.openxmlformats.org/officeDocument/2006/relationships" xmlns:p="http://schemas.openxmlformats.org/presentationml/2006/main">
+  <p:cSld>
+    <p:spTree>
+      <p:nvGrpSpPr>
+        <p:cNvPr id="1" name=""/>
+        <p:cNvGrpSpPr/>
+        <p:nvPr/>
+      </p:nvGrpSpPr>
+      <p:grpSpPr>
+        <a:xfrm>
+          <a:off x="0" y="0"/>
+          <a:ext cx="0" cy="0"/>
+          <a:chOff x="0" y="0"/>
+          <a:chExt cx="0" cy="0"/>
+        </a:xfrm>
+      </p:grpSpPr>
+      <p:sp>
+        <p:nvSpPr>
+          <p:cNvPr id="2" name="Titel 1">
+            <a:extLst>
+              <a:ext uri="{FF2B5EF4-FFF2-40B4-BE49-F238E27FC236}">
+                <a16:creationId xmlns:a16="http://schemas.microsoft.com/office/drawing/2014/main" id="{06DE0D20-7D1D-A7B9-5792-B2649392A8C9}"/>
+              </a:ext>
+            </a:extLst>
+          </p:cNvPr>
+          <p:cNvSpPr>
+            <a:spLocks noGrp="1"/>
+          </p:cNvSpPr>
+          <p:nvPr>
+            <p:ph type="title"/>
+          </p:nvPr>
+        </p:nvSpPr>
+        <p:spPr/>
+        <p:txBody>
+          <a:bodyPr/>
+          <a:lstStyle/>
+          <a:p>
+            <a:endParaRPr lang="de-DE"/>
+          </a:p>
+        </p:txBody>
+      </p:sp>
+      <p:sp>
+        <p:nvSpPr>
+          <p:cNvPr id="3" name="Inhaltsplatzhalter 2">
+            <a:extLst>
+              <a:ext uri="{FF2B5EF4-FFF2-40B4-BE49-F238E27FC236}">
+                <a16:creationId xmlns:a16="http://schemas.microsoft.com/office/drawing/2014/main" id="{A8F4AD7B-F40C-AC5D-1246-C0298A767A38}"/>
+              </a:ext>
+            </a:extLst>
+          </p:cNvPr>
+          <p:cNvSpPr>
+            <a:spLocks noGrp="1"/>
+          </p:cNvSpPr>
+          <p:nvPr>
+            <p:ph idx="1"/>
+          </p:nvPr>
+        </p:nvSpPr>
+        <p:spPr/>
+        <p:txBody>
+          <a:bodyPr/>
+          <a:lstStyle/>
+          <a:p>
+            <a:endParaRPr lang="de-DE"/>
+          </a:p>
+        </p:txBody>
+      </p:sp>
+      <p:sp>
+        <p:nvSpPr>
+          <p:cNvPr id="4" name="Fußzeilenplatzhalter 3">
+            <a:extLst>
+              <a:ext uri="{FF2B5EF4-FFF2-40B4-BE49-F238E27FC236}">
+                <a16:creationId xmlns:a16="http://schemas.microsoft.com/office/drawing/2014/main" id="{D834703A-5DFE-82AD-FE65-D4EB8745EC29}"/>
+              </a:ext>
+            </a:extLst>
+          </p:cNvPr>
+          <p:cNvSpPr>
+            <a:spLocks noGrp="1"/>
+          </p:cNvSpPr>
+          <p:nvPr>
+            <p:ph type="ftr" sz="quarter" idx="11"/>
+          </p:nvPr>
+        </p:nvSpPr>
+        <p:spPr/>
+        <p:txBody>
+          <a:bodyPr/>
+          <a:lstStyle/>
+          <a:p>
+            <a:r>
+              <a:rPr lang="de-DE"/>
+              <a:t>Automatic Coil Winder</a:t>
+            </a:r>
+          </a:p>
+        </p:txBody>
+      </p:sp>
+      <p:sp>
+        <p:nvSpPr>
+          <p:cNvPr id="5" name="Foliennummernplatzhalter 4">
+            <a:extLst>
+              <a:ext uri="{FF2B5EF4-FFF2-40B4-BE49-F238E27FC236}">
+                <a16:creationId xmlns:a16="http://schemas.microsoft.com/office/drawing/2014/main" id="{662ACA75-C8E4-B8ED-8448-E622DD9224BD}"/>
+              </a:ext>
+            </a:extLst>
+          </p:cNvPr>
+          <p:cNvSpPr>
+            <a:spLocks noGrp="1"/>
+          </p:cNvSpPr>
+          <p:nvPr>
+            <p:ph type="sldNum" sz="quarter" idx="12"/>
+          </p:nvPr>
+        </p:nvSpPr>
+        <p:spPr/>
+        <p:txBody>
+          <a:bodyPr/>
+          <a:lstStyle/>
+          <a:p>
+            <a:fld id="{91D83808-CCED-46C0-9767-E634DFE6BDF6}" type="slidenum">
+              <a:rPr lang="de-DE" smtClean="0"/>
+              <a:t>12</a:t>
+            </a:fld>
+            <a:endParaRPr lang="de-DE"/>
+          </a:p>
+        </p:txBody>
+      </p:sp>
+    </p:spTree>
+    <p:extLst>
+      <p:ext uri="{BB962C8B-B14F-4D97-AF65-F5344CB8AC3E}">
+        <p14:creationId xmlns:p14="http://schemas.microsoft.com/office/powerpoint/2010/main" val="84536404"/>
       </p:ext>
     </p:extLst>
   </p:cSld>
@@ -5020,12 +6029,50 @@
           <a:chExt cx="0" cy="0"/>
         </a:xfrm>
       </p:grpSpPr>
+      <p:pic>
+        <p:nvPicPr>
+          <p:cNvPr id="11" name="Inhaltsplatzhalter 10" descr="Ein Bild, das Text, Screenshot, Reihe, Diagramm enthält.&#10;&#10;Automatisch generierte Beschreibung">
+            <a:extLst>
+              <a:ext uri="{FF2B5EF4-FFF2-40B4-BE49-F238E27FC236}">
+                <a16:creationId xmlns:a16="http://schemas.microsoft.com/office/drawing/2014/main" id="{698BB08D-B976-66B5-3BC8-791107E5E58E}"/>
+              </a:ext>
+            </a:extLst>
+          </p:cNvPr>
+          <p:cNvPicPr>
+            <a:picLocks noGrp="1" noChangeAspect="1"/>
+          </p:cNvPicPr>
+          <p:nvPr>
+            <p:ph idx="1"/>
+          </p:nvPr>
+        </p:nvPicPr>
+        <p:blipFill>
+          <a:blip r:embed="rId2">
+            <a:extLst>
+              <a:ext uri="{28A0092B-C50C-407E-A947-70E740481C1C}">
+                <a14:useLocalDpi xmlns:a14="http://schemas.microsoft.com/office/drawing/2010/main" val="0"/>
+              </a:ext>
+            </a:extLst>
+          </a:blip>
+          <a:stretch>
+            <a:fillRect/>
+          </a:stretch>
+        </p:blipFill>
+        <p:spPr>
+          <a:xfrm>
+            <a:off x="2957371" y="643466"/>
+            <a:ext cx="6277258" cy="5571067"/>
+          </a:xfrm>
+          <a:prstGeom prst="rect">
+            <a:avLst/>
+          </a:prstGeom>
+        </p:spPr>
+      </p:pic>
       <p:sp>
         <p:nvSpPr>
           <p:cNvPr id="4" name="Fußzeilenplatzhalter 3">
             <a:extLst>
               <a:ext uri="{FF2B5EF4-FFF2-40B4-BE49-F238E27FC236}">
-                <a16:creationId xmlns:a16="http://schemas.microsoft.com/office/drawing/2014/main" id="{B36DF804-378C-E256-5338-2B8E2777411A}"/>
+                <a16:creationId xmlns:a16="http://schemas.microsoft.com/office/drawing/2014/main" id="{92658994-54A2-7A21-0C91-0E3E5BB29CAD}"/>
               </a:ext>
             </a:extLst>
           </p:cNvPr>
@@ -5074,7 +6121,7 @@
           <p:cNvPr id="5" name="Foliennummernplatzhalter 4">
             <a:extLst>
               <a:ext uri="{FF2B5EF4-FFF2-40B4-BE49-F238E27FC236}">
-                <a16:creationId xmlns:a16="http://schemas.microsoft.com/office/drawing/2014/main" id="{6DFF3CD1-E0B2-D57F-4F90-C221FDC34686}"/>
+                <a16:creationId xmlns:a16="http://schemas.microsoft.com/office/drawing/2014/main" id="{20C1AC4F-AC65-5DFF-3C6F-55A6166D2637}"/>
               </a:ext>
             </a:extLst>
           </p:cNvPr>
@@ -5115,35 +6162,10 @@
           </a:p>
         </p:txBody>
       </p:sp>
-      <p:sp>
-        <p:nvSpPr>
-          <p:cNvPr id="9" name="Inhaltsplatzhalter 8">
-            <a:extLst>
-              <a:ext uri="{FF2B5EF4-FFF2-40B4-BE49-F238E27FC236}">
-                <a16:creationId xmlns:a16="http://schemas.microsoft.com/office/drawing/2014/main" id="{F4B4B2A6-4CEA-2125-D1EB-E70FBC7A746B}"/>
-              </a:ext>
-            </a:extLst>
-          </p:cNvPr>
-          <p:cNvSpPr>
-            <a:spLocks noGrp="1"/>
-          </p:cNvSpPr>
-          <p:nvPr>
-            <p:ph idx="1"/>
-          </p:nvPr>
-        </p:nvSpPr>
-        <p:spPr/>
-        <p:txBody>
-          <a:bodyPr/>
-          <a:lstStyle/>
-          <a:p>
-            <a:endParaRPr lang="de-DE" dirty="0"/>
-          </a:p>
-        </p:txBody>
-      </p:sp>
     </p:spTree>
     <p:extLst>
       <p:ext uri="{BB962C8B-B14F-4D97-AF65-F5344CB8AC3E}">
-        <p14:creationId xmlns:p14="http://schemas.microsoft.com/office/powerpoint/2010/main" val="1361487198"/>
+        <p14:creationId xmlns:p14="http://schemas.microsoft.com/office/powerpoint/2010/main" val="1831403541"/>
       </p:ext>
     </p:extLst>
   </p:cSld>
